--- a/source/xjtuxyzlex/doc/XYZ lexer editor.pptx
+++ b/source/xjtuxyzlex/doc/XYZ lexer editor.pptx
@@ -204,7 +204,7 @@
           <a:p>
             <a:fld id="{4319F343-0162-4F7F-8070-22D8B76DEF93}" type="datetimeFigureOut">
               <a:rPr lang="zh-CN" altLang="en-US" smtClean="0"/>
-              <a:t>2010/3/28</a:t>
+              <a:t>2010/3/29</a:t>
             </a:fld>
             <a:endParaRPr lang="zh-CN" altLang="en-US"/>
           </a:p>
@@ -277,6 +277,11 @@
         </p:txBody>
       </p:sp>
     </p:spTree>
+    <p:extLst>
+      <p:ext uri="{BB962C8B-B14F-4D97-AF65-F5344CB8AC3E}">
+        <p14:creationId xmlns:p14="http://schemas.microsoft.com/office/powerpoint/2010/main" val="2082093783"/>
+      </p:ext>
+    </p:extLst>
   </p:cSld>
   <p:clrMap bg1="lt1" tx1="dk1" bg2="lt2" tx2="dk2" accent1="accent1" accent2="accent2" accent3="accent3" accent4="accent4" accent5="accent5" accent6="accent6" hlink="hlink" folHlink="folHlink"/>
 </p:handoutMaster>
@@ -666,7 +671,7 @@
           <a:p>
             <a:fld id="{EBBF6D0E-8A81-47DE-A01F-976EAAD76472}" type="datetimeFigureOut">
               <a:rPr lang="zh-CN" altLang="en-US" smtClean="0"/>
-              <a:t>2010/3/28</a:t>
+              <a:t>2010/3/29</a:t>
             </a:fld>
             <a:endParaRPr lang="zh-CN" altLang="en-US"/>
           </a:p>
@@ -831,7 +836,7 @@
           <a:p>
             <a:fld id="{EBBF6D0E-8A81-47DE-A01F-976EAAD76472}" type="datetimeFigureOut">
               <a:rPr lang="zh-CN" altLang="en-US" smtClean="0"/>
-              <a:t>2010/3/28</a:t>
+              <a:t>2010/3/29</a:t>
             </a:fld>
             <a:endParaRPr lang="zh-CN" altLang="en-US"/>
           </a:p>
@@ -1006,7 +1011,7 @@
           <a:p>
             <a:fld id="{EBBF6D0E-8A81-47DE-A01F-976EAAD76472}" type="datetimeFigureOut">
               <a:rPr lang="zh-CN" altLang="en-US" smtClean="0"/>
-              <a:t>2010/3/28</a:t>
+              <a:t>2010/3/29</a:t>
             </a:fld>
             <a:endParaRPr lang="zh-CN" altLang="en-US"/>
           </a:p>
@@ -1175,7 +1180,7 @@
           <a:p>
             <a:fld id="{EBBF6D0E-8A81-47DE-A01F-976EAAD76472}" type="datetimeFigureOut">
               <a:rPr lang="zh-CN" altLang="en-US" smtClean="0"/>
-              <a:t>2010/3/28</a:t>
+              <a:t>2010/3/29</a:t>
             </a:fld>
             <a:endParaRPr lang="zh-CN" altLang="en-US"/>
           </a:p>
@@ -1630,7 +1635,7 @@
           <a:p>
             <a:fld id="{EBBF6D0E-8A81-47DE-A01F-976EAAD76472}" type="datetimeFigureOut">
               <a:rPr lang="zh-CN" altLang="en-US" smtClean="0"/>
-              <a:t>2010/3/28</a:t>
+              <a:t>2010/3/29</a:t>
             </a:fld>
             <a:endParaRPr lang="zh-CN" altLang="en-US"/>
           </a:p>
@@ -1894,7 +1899,7 @@
           <a:p>
             <a:fld id="{EBBF6D0E-8A81-47DE-A01F-976EAAD76472}" type="datetimeFigureOut">
               <a:rPr lang="zh-CN" altLang="en-US" smtClean="0"/>
-              <a:t>2010/3/28</a:t>
+              <a:t>2010/3/29</a:t>
             </a:fld>
             <a:endParaRPr lang="zh-CN" altLang="en-US"/>
           </a:p>
@@ -2268,7 +2273,7 @@
           <a:p>
             <a:fld id="{EBBF6D0E-8A81-47DE-A01F-976EAAD76472}" type="datetimeFigureOut">
               <a:rPr lang="zh-CN" altLang="en-US" smtClean="0"/>
-              <a:t>2010/3/28</a:t>
+              <a:t>2010/3/29</a:t>
             </a:fld>
             <a:endParaRPr lang="zh-CN" altLang="en-US"/>
           </a:p>
@@ -2390,7 +2395,7 @@
           <a:p>
             <a:fld id="{EBBF6D0E-8A81-47DE-A01F-976EAAD76472}" type="datetimeFigureOut">
               <a:rPr lang="zh-CN" altLang="en-US" smtClean="0"/>
-              <a:t>2010/3/28</a:t>
+              <a:t>2010/3/29</a:t>
             </a:fld>
             <a:endParaRPr lang="zh-CN" altLang="en-US"/>
           </a:p>
@@ -2480,7 +2485,7 @@
           <a:p>
             <a:fld id="{EBBF6D0E-8A81-47DE-A01F-976EAAD76472}" type="datetimeFigureOut">
               <a:rPr lang="zh-CN" altLang="en-US" smtClean="0"/>
-              <a:t>2010/3/28</a:t>
+              <a:t>2010/3/29</a:t>
             </a:fld>
             <a:endParaRPr lang="zh-CN" altLang="en-US"/>
           </a:p>
@@ -2729,7 +2734,7 @@
           <a:p>
             <a:fld id="{EBBF6D0E-8A81-47DE-A01F-976EAAD76472}" type="datetimeFigureOut">
               <a:rPr lang="zh-CN" altLang="en-US" smtClean="0"/>
-              <a:t>2010/3/28</a:t>
+              <a:t>2010/3/29</a:t>
             </a:fld>
             <a:endParaRPr lang="zh-CN" altLang="en-US"/>
           </a:p>
@@ -2875,7 +2880,7 @@
           </a:ln>
           <a:effectLst>
             <a:outerShdw blurRad="152000" dist="345000" dir="5400000" sx="-80000" sy="-18000" rotWithShape="0">
-              <a:srgbClr val="000000">
+              <a:srgbClr xmlns:mc="http://schemas.openxmlformats.org/markup-compatibility/2006" xmlns:a14="http://schemas.microsoft.com/office/drawing/2010/main" val="000000" mc:Ignorable="">
                 <a:alpha val="25000"/>
               </a:srgbClr>
             </a:outerShdw>
@@ -2988,7 +2993,7 @@
           <a:p>
             <a:fld id="{EBBF6D0E-8A81-47DE-A01F-976EAAD76472}" type="datetimeFigureOut">
               <a:rPr lang="zh-CN" altLang="en-US" smtClean="0"/>
-              <a:t>2010/3/28</a:t>
+              <a:t>2010/3/29</a:t>
             </a:fld>
             <a:endParaRPr lang="zh-CN" altLang="en-US"/>
           </a:p>
@@ -3399,7 +3404,7 @@
           <a:p>
             <a:fld id="{EBBF6D0E-8A81-47DE-A01F-976EAAD76472}" type="datetimeFigureOut">
               <a:rPr lang="zh-CN" altLang="en-US" smtClean="0"/>
-              <a:t>2010/3/28</a:t>
+              <a:t>2010/3/29</a:t>
             </a:fld>
             <a:endParaRPr lang="zh-CN" altLang="en-US"/>
           </a:p>
@@ -3512,7 +3517,7 @@
           </a:solidFill>
           <a:effectLst>
             <a:outerShdw blurRad="38100" dist="38100" dir="2700000" algn="tl">
-              <a:srgbClr val="000000">
+              <a:srgbClr xmlns:mc="http://schemas.openxmlformats.org/markup-compatibility/2006" xmlns:a14="http://schemas.microsoft.com/office/drawing/2010/main" val="000000" mc:Ignorable="">
                 <a:alpha val="43137"/>
               </a:srgbClr>
             </a:outerShdw>
@@ -3853,8 +3858,8 @@
           <a:lstStyle/>
           <a:p>
             <a:r>
-              <a:rPr lang="en-US" altLang="zh-CN" dirty="0" smtClean="0"/>
-              <a:t>5070379017 </a:t>
+              <a:rPr lang="en-US" altLang="zh-CN" smtClean="0"/>
+              <a:t>5070379019 </a:t>
             </a:r>
             <a:r>
               <a:rPr lang="zh-CN" altLang="en-US" dirty="0" smtClean="0"/>
@@ -3930,11 +3935,7 @@
           <a:p>
             <a:r>
               <a:rPr lang="en-US" altLang="zh-CN" dirty="0" smtClean="0"/>
-              <a:t>Token Definition</a:t>
-            </a:r>
-            <a:r>
-              <a:rPr lang="en-US" altLang="zh-CN" dirty="0" smtClean="0"/>
-              <a:t> (Ignored Tokens)</a:t>
+              <a:t>Token Definition (Ignored Tokens)</a:t>
             </a:r>
             <a:endParaRPr lang="zh-CN" altLang="en-US" dirty="0"/>
           </a:p>
@@ -3960,7 +3961,7 @@
             <a:r>
               <a:rPr lang="en-US" altLang="zh-CN" dirty="0" smtClean="0">
                 <a:solidFill>
-                  <a:srgbClr val="FF0000"/>
+                  <a:srgbClr xmlns:mc="http://schemas.openxmlformats.org/markup-compatibility/2006" xmlns:a14="http://schemas.microsoft.com/office/drawing/2010/main" val="FF0000" mc:Ignorable=""/>
                 </a:solidFill>
               </a:rPr>
               <a:t>Ignored </a:t>
@@ -3968,7 +3969,7 @@
             <a:r>
               <a:rPr lang="en-US" altLang="zh-CN" dirty="0">
                 <a:solidFill>
-                  <a:srgbClr val="FF0000"/>
+                  <a:srgbClr xmlns:mc="http://schemas.openxmlformats.org/markup-compatibility/2006" xmlns:a14="http://schemas.microsoft.com/office/drawing/2010/main" val="FF0000" mc:Ignorable=""/>
                 </a:solidFill>
               </a:rPr>
               <a:t>Tokens</a:t>
@@ -4444,7 +4445,7 @@
         <p:spPr/>
         <p:txBody>
           <a:bodyPr>
-            <a:normAutofit fontScale="90000"/>
+            <a:normAutofit/>
           </a:bodyPr>
           <a:lstStyle/>
           <a:p>
@@ -4493,7 +4494,7 @@
             <a:r>
               <a:rPr lang="en-US" altLang="zh-CN" dirty="0">
                 <a:solidFill>
-                  <a:srgbClr val="FF0000"/>
+                  <a:srgbClr xmlns:mc="http://schemas.openxmlformats.org/markup-compatibility/2006" xmlns:a14="http://schemas.microsoft.com/office/drawing/2010/main" val="FF0000" mc:Ignorable=""/>
                 </a:solidFill>
               </a:rPr>
               <a:t>Helpers</a:t>
@@ -4600,17 +4601,13 @@
         <p:spPr/>
         <p:txBody>
           <a:bodyPr>
-            <a:normAutofit fontScale="90000"/>
+            <a:normAutofit/>
           </a:bodyPr>
           <a:lstStyle/>
           <a:p>
             <a:r>
               <a:rPr lang="en-US" altLang="zh-CN" dirty="0" smtClean="0"/>
-              <a:t>Token Definition</a:t>
-            </a:r>
-            <a:r>
-              <a:rPr lang="en-US" altLang="zh-CN" dirty="0" smtClean="0"/>
-              <a:t> (Helpers 2)</a:t>
+              <a:t>Token Definition (Helpers 2)</a:t>
             </a:r>
             <a:endParaRPr lang="zh-CN" altLang="en-US" dirty="0"/>
           </a:p>
@@ -4818,11 +4815,7 @@
           <a:p>
             <a:r>
               <a:rPr lang="en-US" altLang="zh-CN" dirty="0" smtClean="0"/>
-              <a:t>Token Definition</a:t>
-            </a:r>
-            <a:r>
-              <a:rPr lang="en-US" altLang="zh-CN" dirty="0" smtClean="0"/>
-              <a:t> (Tokens 1)</a:t>
+              <a:t>Token Definition (Tokens 1)</a:t>
             </a:r>
             <a:endParaRPr lang="zh-CN" altLang="en-US" dirty="0"/>
           </a:p>
@@ -4848,16 +4841,11 @@
             <a:r>
               <a:rPr lang="en-US" altLang="zh-CN" dirty="0" smtClean="0">
                 <a:solidFill>
-                  <a:srgbClr val="FF0000"/>
+                  <a:srgbClr xmlns:mc="http://schemas.openxmlformats.org/markup-compatibility/2006" xmlns:a14="http://schemas.microsoft.com/office/drawing/2010/main" val="FF0000" mc:Ignorable=""/>
                 </a:solidFill>
               </a:rPr>
               <a:t>States</a:t>
             </a:r>
-            <a:endParaRPr lang="en-US" altLang="zh-CN" dirty="0" smtClean="0">
-              <a:solidFill>
-                <a:srgbClr val="FF0000"/>
-              </a:solidFill>
-            </a:endParaRPr>
           </a:p>
           <a:p>
             <a:r>
@@ -4887,7 +4875,7 @@
             <a:r>
               <a:rPr lang="en-US" altLang="zh-CN" dirty="0">
                 <a:solidFill>
-                  <a:srgbClr val="FF0000"/>
+                  <a:srgbClr xmlns:mc="http://schemas.openxmlformats.org/markup-compatibility/2006" xmlns:a14="http://schemas.microsoft.com/office/drawing/2010/main" val="FF0000" mc:Ignorable=""/>
                 </a:solidFill>
               </a:rPr>
               <a:t>Tokens</a:t>
@@ -5048,11 +5036,7 @@
           <a:p>
             <a:r>
               <a:rPr lang="en-US" altLang="zh-CN" dirty="0" smtClean="0"/>
-              <a:t>Token Definition</a:t>
-            </a:r>
-            <a:r>
-              <a:rPr lang="en-US" altLang="zh-CN" dirty="0" smtClean="0"/>
-              <a:t> (Tokens 2)</a:t>
+              <a:t>Token Definition (Tokens 2)</a:t>
             </a:r>
             <a:endParaRPr lang="zh-CN" altLang="en-US" dirty="0"/>
           </a:p>
@@ -5490,17 +5474,13 @@
         <p:spPr/>
         <p:txBody>
           <a:bodyPr>
-            <a:normAutofit fontScale="90000"/>
+            <a:normAutofit/>
           </a:bodyPr>
           <a:lstStyle/>
           <a:p>
             <a:r>
               <a:rPr lang="en-US" altLang="zh-CN" dirty="0" smtClean="0"/>
-              <a:t>Token Definition </a:t>
-            </a:r>
-            <a:r>
-              <a:rPr lang="en-US" altLang="zh-CN" dirty="0" smtClean="0"/>
-              <a:t> (Tokens 3)</a:t>
+              <a:t>Token Definition  (Tokens 3)</a:t>
             </a:r>
             <a:endParaRPr lang="zh-CN" altLang="en-US" dirty="0"/>
           </a:p>
@@ -5688,11 +5668,7 @@
           <a:p>
             <a:r>
               <a:rPr lang="en-US" altLang="zh-CN" dirty="0" smtClean="0"/>
-              <a:t>Token Definition </a:t>
-            </a:r>
-            <a:r>
-              <a:rPr lang="en-US" altLang="zh-CN" dirty="0" smtClean="0"/>
-              <a:t>(Tokens 4)</a:t>
+              <a:t>Token Definition (Tokens 4)</a:t>
             </a:r>
             <a:endParaRPr lang="zh-CN" altLang="en-US" dirty="0"/>
           </a:p>
@@ -5888,34 +5864,34 @@
         <a:sysClr val="window" lastClr="FFFFFF"/>
       </a:lt1>
       <a:dk2>
-        <a:srgbClr val="3B3B3B"/>
+        <a:srgbClr xmlns:mc="http://schemas.openxmlformats.org/markup-compatibility/2006" xmlns:a14="http://schemas.microsoft.com/office/drawing/2010/main" val="3B3B3B" mc:Ignorable=""/>
       </a:dk2>
       <a:lt2>
-        <a:srgbClr val="D4D2D0"/>
+        <a:srgbClr xmlns:mc="http://schemas.openxmlformats.org/markup-compatibility/2006" xmlns:a14="http://schemas.microsoft.com/office/drawing/2010/main" val="D4D2D0" mc:Ignorable=""/>
       </a:lt2>
       <a:accent1>
-        <a:srgbClr val="6EA0B0"/>
+        <a:srgbClr xmlns:mc="http://schemas.openxmlformats.org/markup-compatibility/2006" xmlns:a14="http://schemas.microsoft.com/office/drawing/2010/main" val="6EA0B0" mc:Ignorable=""/>
       </a:accent1>
       <a:accent2>
-        <a:srgbClr val="CCAF0A"/>
+        <a:srgbClr xmlns:mc="http://schemas.openxmlformats.org/markup-compatibility/2006" xmlns:a14="http://schemas.microsoft.com/office/drawing/2010/main" val="CCAF0A" mc:Ignorable=""/>
       </a:accent2>
       <a:accent3>
-        <a:srgbClr val="8D89A4"/>
+        <a:srgbClr xmlns:mc="http://schemas.openxmlformats.org/markup-compatibility/2006" xmlns:a14="http://schemas.microsoft.com/office/drawing/2010/main" val="8D89A4" mc:Ignorable=""/>
       </a:accent3>
       <a:accent4>
-        <a:srgbClr val="748560"/>
+        <a:srgbClr xmlns:mc="http://schemas.openxmlformats.org/markup-compatibility/2006" xmlns:a14="http://schemas.microsoft.com/office/drawing/2010/main" val="748560" mc:Ignorable=""/>
       </a:accent4>
       <a:accent5>
-        <a:srgbClr val="9E9273"/>
+        <a:srgbClr xmlns:mc="http://schemas.openxmlformats.org/markup-compatibility/2006" xmlns:a14="http://schemas.microsoft.com/office/drawing/2010/main" val="9E9273" mc:Ignorable=""/>
       </a:accent5>
       <a:accent6>
-        <a:srgbClr val="7E848D"/>
+        <a:srgbClr xmlns:mc="http://schemas.openxmlformats.org/markup-compatibility/2006" xmlns:a14="http://schemas.microsoft.com/office/drawing/2010/main" val="7E848D" mc:Ignorable=""/>
       </a:accent6>
       <a:hlink>
-        <a:srgbClr val="00C8C3"/>
+        <a:srgbClr xmlns:mc="http://schemas.openxmlformats.org/markup-compatibility/2006" xmlns:a14="http://schemas.microsoft.com/office/drawing/2010/main" val="00C8C3" mc:Ignorable=""/>
       </a:hlink>
       <a:folHlink>
-        <a:srgbClr val="A116E0"/>
+        <a:srgbClr xmlns:mc="http://schemas.openxmlformats.org/markup-compatibility/2006" xmlns:a14="http://schemas.microsoft.com/office/drawing/2010/main" val="A116E0" mc:Ignorable=""/>
       </a:folHlink>
     </a:clrScheme>
     <a:fontScheme name="技巧">
@@ -6216,34 +6192,34 @@
         <a:sysClr val="window" lastClr="FFFFFF"/>
       </a:lt1>
       <a:dk2>
-        <a:srgbClr val="1F497D"/>
+        <a:srgbClr xmlns:mc="http://schemas.openxmlformats.org/markup-compatibility/2006" xmlns:a14="http://schemas.microsoft.com/office/drawing/2010/main" val="1F497D" mc:Ignorable=""/>
       </a:dk2>
       <a:lt2>
-        <a:srgbClr val="EEECE1"/>
+        <a:srgbClr xmlns:mc="http://schemas.openxmlformats.org/markup-compatibility/2006" xmlns:a14="http://schemas.microsoft.com/office/drawing/2010/main" val="EEECE1" mc:Ignorable=""/>
       </a:lt2>
       <a:accent1>
-        <a:srgbClr val="4F81BD"/>
+        <a:srgbClr xmlns:mc="http://schemas.openxmlformats.org/markup-compatibility/2006" xmlns:a14="http://schemas.microsoft.com/office/drawing/2010/main" val="4F81BD" mc:Ignorable=""/>
       </a:accent1>
       <a:accent2>
-        <a:srgbClr val="C0504D"/>
+        <a:srgbClr xmlns:mc="http://schemas.openxmlformats.org/markup-compatibility/2006" xmlns:a14="http://schemas.microsoft.com/office/drawing/2010/main" val="C0504D" mc:Ignorable=""/>
       </a:accent2>
       <a:accent3>
-        <a:srgbClr val="9BBB59"/>
+        <a:srgbClr xmlns:mc="http://schemas.openxmlformats.org/markup-compatibility/2006" xmlns:a14="http://schemas.microsoft.com/office/drawing/2010/main" val="9BBB59" mc:Ignorable=""/>
       </a:accent3>
       <a:accent4>
-        <a:srgbClr val="8064A2"/>
+        <a:srgbClr xmlns:mc="http://schemas.openxmlformats.org/markup-compatibility/2006" xmlns:a14="http://schemas.microsoft.com/office/drawing/2010/main" val="8064A2" mc:Ignorable=""/>
       </a:accent4>
       <a:accent5>
-        <a:srgbClr val="4BACC6"/>
+        <a:srgbClr xmlns:mc="http://schemas.openxmlformats.org/markup-compatibility/2006" xmlns:a14="http://schemas.microsoft.com/office/drawing/2010/main" val="4BACC6" mc:Ignorable=""/>
       </a:accent5>
       <a:accent6>
-        <a:srgbClr val="F79646"/>
+        <a:srgbClr xmlns:mc="http://schemas.openxmlformats.org/markup-compatibility/2006" xmlns:a14="http://schemas.microsoft.com/office/drawing/2010/main" val="F79646" mc:Ignorable=""/>
       </a:accent6>
       <a:hlink>
-        <a:srgbClr val="0000FF"/>
+        <a:srgbClr xmlns:mc="http://schemas.openxmlformats.org/markup-compatibility/2006" xmlns:a14="http://schemas.microsoft.com/office/drawing/2010/main" val="0000FF" mc:Ignorable=""/>
       </a:hlink>
       <a:folHlink>
-        <a:srgbClr val="800080"/>
+        <a:srgbClr xmlns:mc="http://schemas.openxmlformats.org/markup-compatibility/2006" xmlns:a14="http://schemas.microsoft.com/office/drawing/2010/main" val="800080" mc:Ignorable=""/>
       </a:folHlink>
     </a:clrScheme>
     <a:fontScheme name="Office">
@@ -6395,7 +6371,7 @@
         <a:effectStyle>
           <a:effectLst>
             <a:outerShdw blurRad="40000" dist="20000" dir="5400000" rotWithShape="0">
-              <a:srgbClr val="000000">
+              <a:srgbClr xmlns:mc="http://schemas.openxmlformats.org/markup-compatibility/2006" xmlns:a14="http://schemas.microsoft.com/office/drawing/2010/main" val="000000" mc:Ignorable="">
                 <a:alpha val="38000"/>
               </a:srgbClr>
             </a:outerShdw>
@@ -6404,7 +6380,7 @@
         <a:effectStyle>
           <a:effectLst>
             <a:outerShdw blurRad="40000" dist="23000" dir="5400000" rotWithShape="0">
-              <a:srgbClr val="000000">
+              <a:srgbClr xmlns:mc="http://schemas.openxmlformats.org/markup-compatibility/2006" xmlns:a14="http://schemas.microsoft.com/office/drawing/2010/main" val="000000" mc:Ignorable="">
                 <a:alpha val="35000"/>
               </a:srgbClr>
             </a:outerShdw>
@@ -6413,7 +6389,7 @@
         <a:effectStyle>
           <a:effectLst>
             <a:outerShdw blurRad="40000" dist="23000" dir="5400000" rotWithShape="0">
-              <a:srgbClr val="000000">
+              <a:srgbClr xmlns:mc="http://schemas.openxmlformats.org/markup-compatibility/2006" xmlns:a14="http://schemas.microsoft.com/office/drawing/2010/main" val="000000" mc:Ignorable="">
                 <a:alpha val="35000"/>
               </a:srgbClr>
             </a:outerShdw>
